--- a/slides/Dantoni-Opsgility-MSFabric-Module15.pptx
+++ b/slides/Dantoni-Opsgility-MSFabric-Module15.pptx
@@ -209,7 +209,7 @@
           <a:p>
             <a:fld id="{0D354273-E04F-4A6B-AB46-301CAB090479}" type="datetimeFigureOut">
               <a:rPr lang="en-US" smtClean="0"/>
-              <a:t>9/25/2023</a:t>
+              <a:t>11/21/2023</a:t>
             </a:fld>
             <a:endParaRPr lang="en-US" dirty="0"/>
           </a:p>
@@ -993,7 +993,7 @@
                 <a:effectLst/>
                 <a:latin typeface="Segoe UI" panose="020B0502040204020203" pitchFamily="34" charset="0"/>
               </a:rPr>
-              <a:t> is a collection of items that brings together different functionality in a single tenant. It acts as a container that leverages capacity for the work that is executed, and provides controls for who can access the items in it. For example, in a sales workspace, users associated with the sales organization can create a data warehouse, run notebooks, create datasets, create reports, etc.</a:t>
+              <a:t> is a collection of items that brings together different functionality in a single tenant. It acts as a container that leverages capacity for the work that is executed, and provides controls for who can access the items in it. For example, in a sales workspace, users associated with the sales organization can create a data warehouse, run notebooks, create semantic models, create reports, etc.</a:t>
             </a:r>
           </a:p>
           <a:p>
@@ -1026,7 +1026,7 @@
                 <a:effectLst/>
                 <a:latin typeface="Segoe UI" panose="020B0502040204020203" pitchFamily="34" charset="0"/>
               </a:rPr>
-              <a:t> are the building blocks of the Fabric platform. They're the objects that you create and manage in Fabric. There are different types of items, such as data warehouses, data pipelines, datasets, reports, and dashboards.</a:t>
+              <a:t> are the building blocks of the Fabric platform. They're the objects that you create and manage in Fabric. There are different types of items, such as data warehouses, data pipelines, semantic models, reports, and dashboards.</a:t>
             </a:r>
           </a:p>
           <a:p>
@@ -1813,7 +1813,7 @@
                 <a:effectLst/>
                 <a:latin typeface="Segoe UI" panose="020B0502040204020203" pitchFamily="34" charset="0"/>
               </a:rPr>
-              <a:t>. You can choose to share access to the workspace or specific items within it with other users in your organization. The admin monitoring workspace includes the Feature Usage and Adoption dataset and report, which together provide insights on the usage and performance of your Fabric environment. You can use this information to identify trends and patterns, and troubleshoot issues.</a:t>
+              <a:t>. You can choose to share access to the workspace or specific items within it with other users in your organization. The admin monitoring workspace includes the Feature Usage and Adoption semantic model and report, which together provide insights on the usage and performance of your Fabric environment. You can use this information to identify trends and patterns, and troubleshoot issues.</a:t>
             </a:r>
             <a:endParaRPr lang="en-US" dirty="0"/>
           </a:p>
@@ -1973,7 +1973,7 @@
                 <a:effectLst/>
                 <a:latin typeface="Segoe UI" panose="020B0502040204020203" pitchFamily="34" charset="0"/>
               </a:rPr>
-              <a:t>As an admin, you can manage how users interact with Fabric in terms of sharing and distribution of content. This includes managing how users share content with others, and how they distribute content to others. You can also manage how users interact with items, such as data warehouses, data pipelines, datasets, reports, and dashboards.</a:t>
+              <a:t>As an admin, you can manage how users interact with Fabric in terms of sharing and distribution of content. This includes managing how users share content with others, and how they distribute content to others. You can also manage how users interact with items, such as data warehouses, data pipelines, semantic models, reports, and dashboards.</a:t>
             </a:r>
           </a:p>
           <a:p>
@@ -2312,7 +2312,7 @@
                 <a:effectLst/>
                 <a:latin typeface="Segoe UI" panose="020B0502040204020203" pitchFamily="34" charset="0"/>
               </a:rPr>
-              <a:t> is a set of Admin REST APIs that allows you to scan Fabric items for sensitive data. Use the scanner API to scan data warehouses, data pipelines, datasets, reports, and dashboards for sensitive data. The scanner API can be used to scan both structured and unstructured data.</a:t>
+              <a:t> is a set of Admin REST APIs that allows you to scan Fabric items for sensitive data. Use the scanner API to scan data warehouses, data pipelines, semantic models, reports, and dashboards for sensitive data. The scanner API can be used to scan both structured and unstructured data.</a:t>
             </a:r>
           </a:p>
           <a:p>
@@ -10367,49 +10367,32 @@
       </p:sp>
       <p:pic>
         <p:nvPicPr>
-          <p:cNvPr id="3074" name="Picture 2" descr="Screenshot of the lineage view in Microsoft Fabric.">
+          <p:cNvPr id="5" name="Picture 4">
             <a:extLst>
               <a:ext uri="{FF2B5EF4-FFF2-40B4-BE49-F238E27FC236}">
-                <a16:creationId xmlns:a16="http://schemas.microsoft.com/office/drawing/2014/main" id="{58147B0B-7970-A573-B6EA-8B2C897C5CC9}"/>
+                <a16:creationId xmlns:a16="http://schemas.microsoft.com/office/drawing/2014/main" id="{7F392895-FDB3-8A24-4FAA-334662DBAD33}"/>
               </a:ext>
             </a:extLst>
           </p:cNvPr>
           <p:cNvPicPr>
-            <a:picLocks noChangeAspect="1" noChangeArrowheads="1"/>
+            <a:picLocks noChangeAspect="1"/>
           </p:cNvPicPr>
           <p:nvPr/>
         </p:nvPicPr>
         <p:blipFill>
-          <a:blip r:embed="rId3">
-            <a:extLst>
-              <a:ext uri="{28A0092B-C50C-407E-A947-70E740481C1C}">
-                <a14:useLocalDpi xmlns:a14="http://schemas.microsoft.com/office/drawing/2010/main" val="0"/>
-              </a:ext>
-            </a:extLst>
-          </a:blip>
-          <a:srcRect/>
+          <a:blip r:embed="rId3"/>
           <a:stretch>
             <a:fillRect/>
           </a:stretch>
         </p:blipFill>
-        <p:spPr bwMode="auto">
+        <p:spPr>
           <a:xfrm>
-            <a:off x="5040923" y="2938208"/>
-            <a:ext cx="6830646" cy="3763971"/>
+            <a:off x="4318318" y="2970605"/>
+            <a:ext cx="7284720" cy="3509589"/>
           </a:xfrm>
           <a:prstGeom prst="rect">
             <a:avLst/>
           </a:prstGeom>
-          <a:noFill/>
-          <a:extLst>
-            <a:ext uri="{909E8E84-426E-40DD-AFC4-6F175D3DCCD1}">
-              <a14:hiddenFill xmlns:a14="http://schemas.microsoft.com/office/drawing/2010/main">
-                <a:solidFill>
-                  <a:srgbClr val="FFFFFF"/>
-                </a:solidFill>
-              </a14:hiddenFill>
-            </a:ext>
-          </a:extLst>
         </p:spPr>
       </p:pic>
     </p:spTree>
@@ -13067,49 +13050,32 @@
       </p:sp>
       <p:pic>
         <p:nvPicPr>
-          <p:cNvPr id="1026" name="Picture 2" descr="Screenshot of endorsed datasets in a dataset selection dialog.">
+          <p:cNvPr id="5" name="Picture 4">
             <a:extLst>
               <a:ext uri="{FF2B5EF4-FFF2-40B4-BE49-F238E27FC236}">
-                <a16:creationId xmlns:a16="http://schemas.microsoft.com/office/drawing/2014/main" id="{15B92C27-3D58-5C62-69EB-7C62C23F89DE}"/>
+                <a16:creationId xmlns:a16="http://schemas.microsoft.com/office/drawing/2014/main" id="{67F791AB-4910-1394-B373-567D317D4D4C}"/>
               </a:ext>
             </a:extLst>
           </p:cNvPr>
           <p:cNvPicPr>
-            <a:picLocks noChangeAspect="1" noChangeArrowheads="1"/>
+            <a:picLocks noChangeAspect="1"/>
           </p:cNvPicPr>
           <p:nvPr/>
         </p:nvPicPr>
         <p:blipFill>
-          <a:blip r:embed="rId2">
-            <a:extLst>
-              <a:ext uri="{28A0092B-C50C-407E-A947-70E740481C1C}">
-                <a14:useLocalDpi xmlns:a14="http://schemas.microsoft.com/office/drawing/2010/main" val="0"/>
-              </a:ext>
-            </a:extLst>
-          </a:blip>
-          <a:srcRect/>
+          <a:blip r:embed="rId2"/>
           <a:stretch>
             <a:fillRect/>
           </a:stretch>
         </p:blipFill>
-        <p:spPr bwMode="auto">
+        <p:spPr>
           <a:xfrm>
-            <a:off x="5650522" y="3326903"/>
-            <a:ext cx="5952515" cy="3351344"/>
+            <a:off x="5753100" y="3284303"/>
+            <a:ext cx="5584026" cy="3421585"/>
           </a:xfrm>
           <a:prstGeom prst="rect">
             <a:avLst/>
           </a:prstGeom>
-          <a:noFill/>
-          <a:extLst>
-            <a:ext uri="{909E8E84-426E-40DD-AFC4-6F175D3DCCD1}">
-              <a14:hiddenFill xmlns:a14="http://schemas.microsoft.com/office/drawing/2010/main">
-                <a:solidFill>
-                  <a:srgbClr val="FFFFFF"/>
-                </a:solidFill>
-              </a14:hiddenFill>
-            </a:ext>
-          </a:extLst>
         </p:spPr>
       </p:pic>
     </p:spTree>
@@ -13175,51 +13141,62 @@
       </p:sp>
       <p:pic>
         <p:nvPicPr>
-          <p:cNvPr id="2052" name="Picture 4" descr="Screenshot of the impact analysis side pane.">
+          <p:cNvPr id="5" name="Picture 4">
             <a:extLst>
               <a:ext uri="{FF2B5EF4-FFF2-40B4-BE49-F238E27FC236}">
-                <a16:creationId xmlns:a16="http://schemas.microsoft.com/office/drawing/2014/main" id="{5914A678-6E68-F6F5-388C-CCDEBFB7DC1A}"/>
+                <a16:creationId xmlns:a16="http://schemas.microsoft.com/office/drawing/2014/main" id="{9BAB41CD-CA88-471E-C22F-BFED7960522A}"/>
               </a:ext>
             </a:extLst>
           </p:cNvPr>
           <p:cNvPicPr>
-            <a:picLocks noGrp="1" noChangeAspect="1" noChangeArrowheads="1"/>
+            <a:picLocks noChangeAspect="1"/>
           </p:cNvPicPr>
-          <p:nvPr>
-            <p:ph sz="quarter" idx="10"/>
-          </p:nvPr>
+          <p:nvPr/>
         </p:nvPicPr>
         <p:blipFill>
-          <a:blip r:embed="rId3">
-            <a:extLst>
-              <a:ext uri="{28A0092B-C50C-407E-A947-70E740481C1C}">
-                <a14:useLocalDpi xmlns:a14="http://schemas.microsoft.com/office/drawing/2010/main" val="0"/>
-              </a:ext>
-            </a:extLst>
-          </a:blip>
-          <a:srcRect/>
+          <a:blip r:embed="rId3"/>
           <a:stretch>
             <a:fillRect/>
           </a:stretch>
         </p:blipFill>
-        <p:spPr bwMode="auto">
+        <p:spPr>
           <a:xfrm>
-            <a:off x="3399427" y="1435100"/>
-            <a:ext cx="5388383" cy="4833938"/>
+            <a:off x="1544927" y="1378785"/>
+            <a:ext cx="3520745" cy="5022015"/>
           </a:xfrm>
           <a:prstGeom prst="rect">
             <a:avLst/>
           </a:prstGeom>
-          <a:noFill/>
-          <a:extLst>
-            <a:ext uri="{909E8E84-426E-40DD-AFC4-6F175D3DCCD1}">
-              <a14:hiddenFill xmlns:a14="http://schemas.microsoft.com/office/drawing/2010/main">
-                <a:solidFill>
-                  <a:srgbClr val="FFFFFF"/>
-                </a:solidFill>
-              </a14:hiddenFill>
-            </a:ext>
-          </a:extLst>
+        </p:spPr>
+      </p:pic>
+      <p:pic>
+        <p:nvPicPr>
+          <p:cNvPr id="7" name="Picture 6">
+            <a:extLst>
+              <a:ext uri="{FF2B5EF4-FFF2-40B4-BE49-F238E27FC236}">
+                <a16:creationId xmlns:a16="http://schemas.microsoft.com/office/drawing/2014/main" id="{4017F494-386D-9945-14ED-832FE8F990AE}"/>
+              </a:ext>
+            </a:extLst>
+          </p:cNvPr>
+          <p:cNvPicPr>
+            <a:picLocks noChangeAspect="1"/>
+          </p:cNvPicPr>
+          <p:nvPr/>
+        </p:nvPicPr>
+        <p:blipFill>
+          <a:blip r:embed="rId4"/>
+          <a:stretch>
+            <a:fillRect/>
+          </a:stretch>
+        </p:blipFill>
+        <p:spPr>
+          <a:xfrm>
+            <a:off x="6096000" y="1378785"/>
+            <a:ext cx="3528366" cy="5022014"/>
+          </a:xfrm>
+          <a:prstGeom prst="rect">
+            <a:avLst/>
+          </a:prstGeom>
         </p:spPr>
       </p:pic>
     </p:spTree>
@@ -13807,6 +13784,12 @@
 </file>
 
 <file path=customXml/item1.xml><?xml version="1.0" encoding="utf-8"?>
+<p:properties xmlns:p="http://schemas.microsoft.com/office/2006/metadata/properties" xmlns:xsi="http://www.w3.org/2001/XMLSchema-instance" xmlns:pc="http://schemas.microsoft.com/office/infopath/2007/PartnerControls">
+  <documentManagement/>
+</p:properties>
+</file>
+
+<file path=customXml/item2.xml><?xml version="1.0" encoding="utf-8"?>
 <ct:contentTypeSchema xmlns:ct="http://schemas.microsoft.com/office/2006/metadata/contentType" xmlns:ma="http://schemas.microsoft.com/office/2006/metadata/properties/metaAttributes" ct:_="" ma:_="" ma:contentTypeName="Document" ma:contentTypeID="0x010100B8CFE09A3088BA4C8DAD689BB01679B8" ma:contentTypeVersion="10" ma:contentTypeDescription="Create a new document." ma:contentTypeScope="" ma:versionID="76f34acd9020c8ce1aab729b67fd078e">
   <xsd:schema xmlns:xsd="http://www.w3.org/2001/XMLSchema" xmlns:xs="http://www.w3.org/2001/XMLSchema" xmlns:p="http://schemas.microsoft.com/office/2006/metadata/properties" xmlns:ns2="30241bb1-3633-4696-a205-62244f9c1dd7" targetNamespace="http://schemas.microsoft.com/office/2006/metadata/properties" ma:root="true" ma:fieldsID="a37d36f2a6ec64e42d083cbe14a0e6d2" ns2:_="">
     <xsd:import namespace="30241bb1-3633-4696-a205-62244f9c1dd7"/>
@@ -13990,12 +13973,6 @@
 </ct:contentTypeSchema>
 </file>
 
-<file path=customXml/item2.xml><?xml version="1.0" encoding="utf-8"?>
-<p:properties xmlns:p="http://schemas.microsoft.com/office/2006/metadata/properties" xmlns:xsi="http://www.w3.org/2001/XMLSchema-instance" xmlns:pc="http://schemas.microsoft.com/office/infopath/2007/PartnerControls">
-  <documentManagement/>
-</p:properties>
-</file>
-
 <file path=customXml/item3.xml><?xml version="1.0" encoding="utf-8"?>
 <?mso-contentType ?>
 <FormTemplates xmlns="http://schemas.microsoft.com/sharepoint/v3/contenttype/forms">
@@ -14006,16 +13983,30 @@
 </file>
 
 <file path=customXml/itemProps1.xml><?xml version="1.0" encoding="utf-8"?>
-<ds:datastoreItem xmlns:ds="http://schemas.openxmlformats.org/officeDocument/2006/customXml" ds:itemID="{8BECB292-B82D-4FD1-881D-DA43F0D7AA24}"/>
-</file>
-
-<file path=customXml/itemProps2.xml><?xml version="1.0" encoding="utf-8"?>
 <ds:datastoreItem xmlns:ds="http://schemas.openxmlformats.org/officeDocument/2006/customXml" ds:itemID="{EDCB3B52-9508-4A63-AFCC-05E7630C15CA}">
   <ds:schemaRefs>
     <ds:schemaRef ds:uri="http://schemas.microsoft.com/office/2006/metadata/properties"/>
     <ds:schemaRef ds:uri="http://schemas.microsoft.com/office/infopath/2007/PartnerControls"/>
     <ds:schemaRef ds:uri="ec9ab3cf-5ffc-4e23-9951-e59f1d4d2772"/>
     <ds:schemaRef ds:uri="df7f103e-597c-493b-bc31-914106b908e0"/>
+  </ds:schemaRefs>
+</ds:datastoreItem>
+</file>
+
+<file path=customXml/itemProps2.xml><?xml version="1.0" encoding="utf-8"?>
+<ds:datastoreItem xmlns:ds="http://schemas.openxmlformats.org/officeDocument/2006/customXml" ds:itemID="{8BECB292-B82D-4FD1-881D-DA43F0D7AA24}">
+  <ds:schemaRefs>
+    <ds:schemaRef ds:uri="http://schemas.microsoft.com/office/2006/metadata/contentType"/>
+    <ds:schemaRef ds:uri="http://schemas.microsoft.com/office/2006/metadata/properties/metaAttributes"/>
+    <ds:schemaRef ds:uri="http://www.w3.org/2001/XMLSchema"/>
+    <ds:schemaRef ds:uri="http://schemas.microsoft.com/office/2006/metadata/properties"/>
+    <ds:schemaRef ds:uri="30241bb1-3633-4696-a205-62244f9c1dd7"/>
+    <ds:schemaRef ds:uri="http://schemas.microsoft.com/office/2006/documentManagement/types"/>
+    <ds:schemaRef ds:uri="http://schemas.microsoft.com/office/infopath/2007/PartnerControls"/>
+    <ds:schemaRef ds:uri="http://schemas.openxmlformats.org/package/2006/metadata/core-properties"/>
+    <ds:schemaRef ds:uri="http://purl.org/dc/elements/1.1/"/>
+    <ds:schemaRef ds:uri="http://purl.org/dc/terms/"/>
+    <ds:schemaRef ds:uri="http://schemas.microsoft.com/internal/obd"/>
   </ds:schemaRefs>
 </ds:datastoreItem>
 </file>
